--- a/PPTs/02-AngularIntroduction.pptx
+++ b/PPTs/02-AngularIntroduction.pptx
@@ -5,7 +5,7 @@
     <p:sldMasterId id="2147483648" r:id="rId1"/>
   </p:sldMasterIdLst>
   <p:notesMasterIdLst>
-    <p:notesMasterId r:id="rId15"/>
+    <p:notesMasterId r:id="rId21"/>
   </p:notesMasterIdLst>
   <p:sldIdLst>
     <p:sldId id="256" r:id="rId2"/>
@@ -21,6 +21,12 @@
     <p:sldId id="266" r:id="rId12"/>
     <p:sldId id="267" r:id="rId13"/>
     <p:sldId id="268" r:id="rId14"/>
+    <p:sldId id="269" r:id="rId15"/>
+    <p:sldId id="270" r:id="rId16"/>
+    <p:sldId id="271" r:id="rId17"/>
+    <p:sldId id="272" r:id="rId18"/>
+    <p:sldId id="273" r:id="rId19"/>
+    <p:sldId id="274" r:id="rId20"/>
   </p:sldIdLst>
   <p:sldSz cx="12192000" cy="6858000"/>
   <p:notesSz cx="6858000" cy="9144000"/>
@@ -119,6 +125,11 @@
       </a:defRPr>
     </a:lvl9pPr>
   </p:defaultTextStyle>
+  <p:extLst>
+    <p:ext uri="{EFAFB233-063F-42B5-8137-9DF3F51BA10A}">
+      <p15:sldGuideLst xmlns:p15="http://schemas.microsoft.com/office/powerpoint/2012/main"/>
+    </p:ext>
+  </p:extLst>
 </p:presentation>
 </file>
 
@@ -204,7 +215,7 @@
           <a:p>
             <a:fld id="{DF60FDEB-BE4B-488D-BA45-6B54071208DB}" type="datetimeFigureOut">
               <a:rPr lang="en-US" smtClean="0"/>
-              <a:t>3/12/2020</a:t>
+              <a:t>3/29/2020</a:t>
             </a:fld>
             <a:endParaRPr lang="en-US"/>
           </a:p>
@@ -747,6 +758,96 @@
 </p:notes>
 </file>
 
+<file path=ppt/notesSlides/notesSlide4.xml><?xml version="1.0" encoding="utf-8"?>
+<p:notes xmlns:a="http://schemas.openxmlformats.org/drawingml/2006/main" xmlns:r="http://schemas.openxmlformats.org/officeDocument/2006/relationships" xmlns:p="http://schemas.openxmlformats.org/presentationml/2006/main">
+  <p:cSld>
+    <p:spTree>
+      <p:nvGrpSpPr>
+        <p:cNvPr id="1" name=""/>
+        <p:cNvGrpSpPr/>
+        <p:nvPr/>
+      </p:nvGrpSpPr>
+      <p:grpSpPr>
+        <a:xfrm>
+          <a:off x="0" y="0"/>
+          <a:ext cx="0" cy="0"/>
+          <a:chOff x="0" y="0"/>
+          <a:chExt cx="0" cy="0"/>
+        </a:xfrm>
+      </p:grpSpPr>
+      <p:sp>
+        <p:nvSpPr>
+          <p:cNvPr id="2" name="Slide Image Placeholder 1"/>
+          <p:cNvSpPr>
+            <a:spLocks noGrp="1" noRot="1" noChangeAspect="1"/>
+          </p:cNvSpPr>
+          <p:nvPr>
+            <p:ph type="sldImg"/>
+          </p:nvPr>
+        </p:nvSpPr>
+        <p:spPr/>
+      </p:sp>
+      <p:sp>
+        <p:nvSpPr>
+          <p:cNvPr id="3" name="Notes Placeholder 2"/>
+          <p:cNvSpPr>
+            <a:spLocks noGrp="1"/>
+          </p:cNvSpPr>
+          <p:nvPr>
+            <p:ph type="body" idx="1"/>
+          </p:nvPr>
+        </p:nvSpPr>
+        <p:spPr/>
+        <p:txBody>
+          <a:bodyPr/>
+          <a:lstStyle/>
+          <a:p>
+            <a:r>
+              <a:rPr lang="en-US" dirty="0">
+                <a:hlinkClick r:id="rId3"/>
+              </a:rPr>
+              <a:t>https://dev.to/casperns/how-angular-trigger-indexhtml-and-start-working-1l46</a:t>
+            </a:r>
+            <a:endParaRPr lang="en-US" dirty="0"/>
+          </a:p>
+        </p:txBody>
+      </p:sp>
+      <p:sp>
+        <p:nvSpPr>
+          <p:cNvPr id="4" name="Slide Number Placeholder 3"/>
+          <p:cNvSpPr>
+            <a:spLocks noGrp="1"/>
+          </p:cNvSpPr>
+          <p:nvPr>
+            <p:ph type="sldNum" sz="quarter" idx="5"/>
+          </p:nvPr>
+        </p:nvSpPr>
+        <p:spPr/>
+        <p:txBody>
+          <a:bodyPr/>
+          <a:lstStyle/>
+          <a:p>
+            <a:fld id="{FF0FFF01-9ADC-41EF-91AF-76E5163B264E}" type="slidenum">
+              <a:rPr lang="en-US" smtClean="0"/>
+              <a:t>19</a:t>
+            </a:fld>
+            <a:endParaRPr lang="en-US"/>
+          </a:p>
+        </p:txBody>
+      </p:sp>
+    </p:spTree>
+    <p:extLst>
+      <p:ext uri="{BB962C8B-B14F-4D97-AF65-F5344CB8AC3E}">
+        <p14:creationId xmlns:p14="http://schemas.microsoft.com/office/powerpoint/2010/main" val="4124814277"/>
+      </p:ext>
+    </p:extLst>
+  </p:cSld>
+  <p:clrMapOvr>
+    <a:masterClrMapping/>
+  </p:clrMapOvr>
+</p:notes>
+</file>
+
 <file path=ppt/slideLayouts/slideLayout1.xml><?xml version="1.0" encoding="utf-8"?>
 <p:sldLayout xmlns:a="http://schemas.openxmlformats.org/drawingml/2006/main" xmlns:r="http://schemas.openxmlformats.org/officeDocument/2006/relationships" xmlns:p="http://schemas.openxmlformats.org/presentationml/2006/main" type="title" preserve="1">
   <p:cSld name="Title Slide">
@@ -894,7 +995,7 @@
           <a:p>
             <a:fld id="{9A56AD0D-D05F-448D-93D1-C944D87CC5AF}" type="datetimeFigureOut">
               <a:rPr lang="en-US" smtClean="0"/>
-              <a:t>3/12/2020</a:t>
+              <a:t>3/29/2020</a:t>
             </a:fld>
             <a:endParaRPr lang="en-US"/>
           </a:p>
@@ -1092,7 +1193,7 @@
           <a:p>
             <a:fld id="{9A56AD0D-D05F-448D-93D1-C944D87CC5AF}" type="datetimeFigureOut">
               <a:rPr lang="en-US" smtClean="0"/>
-              <a:t>3/12/2020</a:t>
+              <a:t>3/29/2020</a:t>
             </a:fld>
             <a:endParaRPr lang="en-US"/>
           </a:p>
@@ -1300,7 +1401,7 @@
           <a:p>
             <a:fld id="{9A56AD0D-D05F-448D-93D1-C944D87CC5AF}" type="datetimeFigureOut">
               <a:rPr lang="en-US" smtClean="0"/>
-              <a:t>3/12/2020</a:t>
+              <a:t>3/29/2020</a:t>
             </a:fld>
             <a:endParaRPr lang="en-US"/>
           </a:p>
@@ -1498,7 +1599,7 @@
           <a:p>
             <a:fld id="{9A56AD0D-D05F-448D-93D1-C944D87CC5AF}" type="datetimeFigureOut">
               <a:rPr lang="en-US" smtClean="0"/>
-              <a:t>3/12/2020</a:t>
+              <a:t>3/29/2020</a:t>
             </a:fld>
             <a:endParaRPr lang="en-US"/>
           </a:p>
@@ -1773,7 +1874,7 @@
           <a:p>
             <a:fld id="{9A56AD0D-D05F-448D-93D1-C944D87CC5AF}" type="datetimeFigureOut">
               <a:rPr lang="en-US" smtClean="0"/>
-              <a:t>3/12/2020</a:t>
+              <a:t>3/29/2020</a:t>
             </a:fld>
             <a:endParaRPr lang="en-US"/>
           </a:p>
@@ -2038,7 +2139,7 @@
           <a:p>
             <a:fld id="{9A56AD0D-D05F-448D-93D1-C944D87CC5AF}" type="datetimeFigureOut">
               <a:rPr lang="en-US" smtClean="0"/>
-              <a:t>3/12/2020</a:t>
+              <a:t>3/29/2020</a:t>
             </a:fld>
             <a:endParaRPr lang="en-US"/>
           </a:p>
@@ -2450,7 +2551,7 @@
           <a:p>
             <a:fld id="{9A56AD0D-D05F-448D-93D1-C944D87CC5AF}" type="datetimeFigureOut">
               <a:rPr lang="en-US" smtClean="0"/>
-              <a:t>3/12/2020</a:t>
+              <a:t>3/29/2020</a:t>
             </a:fld>
             <a:endParaRPr lang="en-US"/>
           </a:p>
@@ -2591,7 +2692,7 @@
           <a:p>
             <a:fld id="{9A56AD0D-D05F-448D-93D1-C944D87CC5AF}" type="datetimeFigureOut">
               <a:rPr lang="en-US" smtClean="0"/>
-              <a:t>3/12/2020</a:t>
+              <a:t>3/29/2020</a:t>
             </a:fld>
             <a:endParaRPr lang="en-US"/>
           </a:p>
@@ -2704,7 +2805,7 @@
           <a:p>
             <a:fld id="{9A56AD0D-D05F-448D-93D1-C944D87CC5AF}" type="datetimeFigureOut">
               <a:rPr lang="en-US" smtClean="0"/>
-              <a:t>3/12/2020</a:t>
+              <a:t>3/29/2020</a:t>
             </a:fld>
             <a:endParaRPr lang="en-US"/>
           </a:p>
@@ -3015,7 +3116,7 @@
           <a:p>
             <a:fld id="{9A56AD0D-D05F-448D-93D1-C944D87CC5AF}" type="datetimeFigureOut">
               <a:rPr lang="en-US" smtClean="0"/>
-              <a:t>3/12/2020</a:t>
+              <a:t>3/29/2020</a:t>
             </a:fld>
             <a:endParaRPr lang="en-US"/>
           </a:p>
@@ -3303,7 +3404,7 @@
           <a:p>
             <a:fld id="{9A56AD0D-D05F-448D-93D1-C944D87CC5AF}" type="datetimeFigureOut">
               <a:rPr lang="en-US" smtClean="0"/>
-              <a:t>3/12/2020</a:t>
+              <a:t>3/29/2020</a:t>
             </a:fld>
             <a:endParaRPr lang="en-US"/>
           </a:p>
@@ -3544,7 +3645,7 @@
           <a:p>
             <a:fld id="{9A56AD0D-D05F-448D-93D1-C944D87CC5AF}" type="datetimeFigureOut">
               <a:rPr lang="en-US" smtClean="0"/>
-              <a:t>3/12/2020</a:t>
+              <a:t>3/29/2020</a:t>
             </a:fld>
             <a:endParaRPr lang="en-US"/>
           </a:p>
@@ -4457,13 +4558,14 @@
             </a:r>
             <a:r>
               <a:rPr lang="en-US" dirty="0"/>
-              <a:t> – list of dependencies and dev time dependencies. You will sometimes modify the scripts section to add more commands as we will see </a:t>
-            </a:r>
-            <a:r>
-              <a:rPr lang="en-US"/>
-              <a:t>in future.</a:t>
-            </a:r>
-            <a:endParaRPr lang="en-US" dirty="0"/>
+              <a:t> – list of dependencies and dev time dependencies. You will sometimes modify the scripts section to add more commands as we will see in future.</a:t>
+            </a:r>
+          </a:p>
+          <a:p>
+            <a:r>
+              <a:rPr lang="en-US" dirty="0"/>
+              <a:t>favicon.ico – This file represents the icon which will be displayed in favorites folder when you add your application as favorite.</a:t>
+            </a:r>
           </a:p>
           <a:p>
             <a:endParaRPr lang="en-US" dirty="0"/>
@@ -4474,6 +4576,768 @@
     <p:extLst>
       <p:ext uri="{BB962C8B-B14F-4D97-AF65-F5344CB8AC3E}">
         <p14:creationId xmlns:p14="http://schemas.microsoft.com/office/powerpoint/2010/main" val="770967339"/>
+      </p:ext>
+    </p:extLst>
+  </p:cSld>
+  <p:clrMapOvr>
+    <a:masterClrMapping/>
+  </p:clrMapOvr>
+</p:sld>
+</file>
+
+<file path=ppt/slides/slide14.xml><?xml version="1.0" encoding="utf-8"?>
+<p:sld xmlns:a="http://schemas.openxmlformats.org/drawingml/2006/main" xmlns:r="http://schemas.openxmlformats.org/officeDocument/2006/relationships" xmlns:p="http://schemas.openxmlformats.org/presentationml/2006/main">
+  <p:cSld>
+    <p:spTree>
+      <p:nvGrpSpPr>
+        <p:cNvPr id="1" name=""/>
+        <p:cNvGrpSpPr/>
+        <p:nvPr/>
+      </p:nvGrpSpPr>
+      <p:grpSpPr>
+        <a:xfrm>
+          <a:off x="0" y="0"/>
+          <a:ext cx="0" cy="0"/>
+          <a:chOff x="0" y="0"/>
+          <a:chExt cx="0" cy="0"/>
+        </a:xfrm>
+      </p:grpSpPr>
+      <p:sp>
+        <p:nvSpPr>
+          <p:cNvPr id="2" name="Title 1">
+            <a:extLst>
+              <a:ext uri="{FF2B5EF4-FFF2-40B4-BE49-F238E27FC236}">
+                <a16:creationId xmlns:a16="http://schemas.microsoft.com/office/drawing/2014/main" id="{C26CAE30-9E2E-40AF-80DC-0B15271A29F9}"/>
+              </a:ext>
+            </a:extLst>
+          </p:cNvPr>
+          <p:cNvSpPr>
+            <a:spLocks noGrp="1"/>
+          </p:cNvSpPr>
+          <p:nvPr>
+            <p:ph type="title"/>
+          </p:nvPr>
+        </p:nvSpPr>
+        <p:spPr/>
+        <p:txBody>
+          <a:bodyPr/>
+          <a:lstStyle/>
+          <a:p>
+            <a:pPr algn="ctr"/>
+            <a:r>
+              <a:rPr lang="en-US" dirty="0"/>
+              <a:t>Important Files/Folders</a:t>
+            </a:r>
+          </a:p>
+        </p:txBody>
+      </p:sp>
+      <p:sp>
+        <p:nvSpPr>
+          <p:cNvPr id="3" name="Content Placeholder 2">
+            <a:extLst>
+              <a:ext uri="{FF2B5EF4-FFF2-40B4-BE49-F238E27FC236}">
+                <a16:creationId xmlns:a16="http://schemas.microsoft.com/office/drawing/2014/main" id="{6B73275C-8DCF-4E70-B1E8-711D5226CD4F}"/>
+              </a:ext>
+            </a:extLst>
+          </p:cNvPr>
+          <p:cNvSpPr>
+            <a:spLocks noGrp="1"/>
+          </p:cNvSpPr>
+          <p:nvPr>
+            <p:ph idx="1"/>
+          </p:nvPr>
+        </p:nvSpPr>
+        <p:spPr/>
+        <p:txBody>
+          <a:bodyPr/>
+          <a:lstStyle/>
+          <a:p>
+            <a:r>
+              <a:rPr lang="en-US" dirty="0" err="1"/>
+              <a:t>environment.ts</a:t>
+            </a:r>
+            <a:r>
+              <a:rPr lang="en-US" dirty="0"/>
+              <a:t> – The base file which contains default environment settings. To use this file in components this file needs to be imported in components.</a:t>
+            </a:r>
+          </a:p>
+          <a:p>
+            <a:r>
+              <a:rPr lang="en-US" dirty="0"/>
+              <a:t>The “build” command uses this as build target when no environment is specified.</a:t>
+            </a:r>
+          </a:p>
+          <a:p>
+            <a:r>
+              <a:rPr lang="en-US" dirty="0"/>
+              <a:t>You can add further properties on the environment object like below:</a:t>
+            </a:r>
+          </a:p>
+          <a:p>
+            <a:endParaRPr lang="en-US" dirty="0"/>
+          </a:p>
+        </p:txBody>
+      </p:sp>
+      <p:pic>
+        <p:nvPicPr>
+          <p:cNvPr id="9" name="Picture 8">
+            <a:extLst>
+              <a:ext uri="{FF2B5EF4-FFF2-40B4-BE49-F238E27FC236}">
+                <a16:creationId xmlns:a16="http://schemas.microsoft.com/office/drawing/2014/main" id="{0D89500B-F876-4F62-A051-ECAB6D0F63E6}"/>
+              </a:ext>
+            </a:extLst>
+          </p:cNvPr>
+          <p:cNvPicPr>
+            <a:picLocks noChangeAspect="1"/>
+          </p:cNvPicPr>
+          <p:nvPr/>
+        </p:nvPicPr>
+        <p:blipFill>
+          <a:blip r:embed="rId2"/>
+          <a:stretch>
+            <a:fillRect/>
+          </a:stretch>
+        </p:blipFill>
+        <p:spPr>
+          <a:xfrm>
+            <a:off x="838200" y="4422898"/>
+            <a:ext cx="10465403" cy="1690209"/>
+          </a:xfrm>
+          <a:prstGeom prst="rect">
+            <a:avLst/>
+          </a:prstGeom>
+        </p:spPr>
+      </p:pic>
+    </p:spTree>
+    <p:extLst>
+      <p:ext uri="{BB962C8B-B14F-4D97-AF65-F5344CB8AC3E}">
+        <p14:creationId xmlns:p14="http://schemas.microsoft.com/office/powerpoint/2010/main" val="3794518767"/>
+      </p:ext>
+    </p:extLst>
+  </p:cSld>
+  <p:clrMapOvr>
+    <a:masterClrMapping/>
+  </p:clrMapOvr>
+</p:sld>
+</file>
+
+<file path=ppt/slides/slide15.xml><?xml version="1.0" encoding="utf-8"?>
+<p:sld xmlns:a="http://schemas.openxmlformats.org/drawingml/2006/main" xmlns:r="http://schemas.openxmlformats.org/officeDocument/2006/relationships" xmlns:p="http://schemas.openxmlformats.org/presentationml/2006/main">
+  <p:cSld>
+    <p:spTree>
+      <p:nvGrpSpPr>
+        <p:cNvPr id="1" name=""/>
+        <p:cNvGrpSpPr/>
+        <p:nvPr/>
+      </p:nvGrpSpPr>
+      <p:grpSpPr>
+        <a:xfrm>
+          <a:off x="0" y="0"/>
+          <a:ext cx="0" cy="0"/>
+          <a:chOff x="0" y="0"/>
+          <a:chExt cx="0" cy="0"/>
+        </a:xfrm>
+      </p:grpSpPr>
+      <p:sp>
+        <p:nvSpPr>
+          <p:cNvPr id="2" name="Title 1">
+            <a:extLst>
+              <a:ext uri="{FF2B5EF4-FFF2-40B4-BE49-F238E27FC236}">
+                <a16:creationId xmlns:a16="http://schemas.microsoft.com/office/drawing/2014/main" id="{14EE2398-2A95-46E8-866E-0805EA0E9A9F}"/>
+              </a:ext>
+            </a:extLst>
+          </p:cNvPr>
+          <p:cNvSpPr>
+            <a:spLocks noGrp="1"/>
+          </p:cNvSpPr>
+          <p:nvPr>
+            <p:ph type="title"/>
+          </p:nvPr>
+        </p:nvSpPr>
+        <p:spPr/>
+        <p:txBody>
+          <a:bodyPr/>
+          <a:lstStyle/>
+          <a:p>
+            <a:pPr algn="ctr"/>
+            <a:r>
+              <a:rPr lang="en-US" dirty="0"/>
+              <a:t>Important Files/Folders</a:t>
+            </a:r>
+          </a:p>
+        </p:txBody>
+      </p:sp>
+      <p:sp>
+        <p:nvSpPr>
+          <p:cNvPr id="3" name="Content Placeholder 2">
+            <a:extLst>
+              <a:ext uri="{FF2B5EF4-FFF2-40B4-BE49-F238E27FC236}">
+                <a16:creationId xmlns:a16="http://schemas.microsoft.com/office/drawing/2014/main" id="{9720162E-01D7-45D4-94E4-1A558A85921A}"/>
+              </a:ext>
+            </a:extLst>
+          </p:cNvPr>
+          <p:cNvSpPr>
+            <a:spLocks noGrp="1"/>
+          </p:cNvSpPr>
+          <p:nvPr>
+            <p:ph idx="1"/>
+          </p:nvPr>
+        </p:nvSpPr>
+        <p:spPr/>
+        <p:txBody>
+          <a:bodyPr/>
+          <a:lstStyle/>
+          <a:p>
+            <a:r>
+              <a:rPr lang="en-US" dirty="0"/>
+              <a:t>You can add environment specific configuration files and then during the build replace </a:t>
+            </a:r>
+            <a:r>
+              <a:rPr lang="en-US" dirty="0" err="1"/>
+              <a:t>environment.ts</a:t>
+            </a:r>
+            <a:r>
+              <a:rPr lang="en-US" dirty="0"/>
+              <a:t> with environment specific file.</a:t>
+            </a:r>
+          </a:p>
+          <a:p>
+            <a:endParaRPr lang="en-US" dirty="0"/>
+          </a:p>
+        </p:txBody>
+      </p:sp>
+      <p:pic>
+        <p:nvPicPr>
+          <p:cNvPr id="4" name="Picture 3">
+            <a:extLst>
+              <a:ext uri="{FF2B5EF4-FFF2-40B4-BE49-F238E27FC236}">
+                <a16:creationId xmlns:a16="http://schemas.microsoft.com/office/drawing/2014/main" id="{AC867D9D-FFCE-481C-A5A9-8A15FDD1CE3D}"/>
+              </a:ext>
+            </a:extLst>
+          </p:cNvPr>
+          <p:cNvPicPr>
+            <a:picLocks noChangeAspect="1"/>
+          </p:cNvPicPr>
+          <p:nvPr/>
+        </p:nvPicPr>
+        <p:blipFill>
+          <a:blip r:embed="rId2"/>
+          <a:stretch>
+            <a:fillRect/>
+          </a:stretch>
+        </p:blipFill>
+        <p:spPr>
+          <a:xfrm>
+            <a:off x="2522999" y="2652683"/>
+            <a:ext cx="6179709" cy="2697221"/>
+          </a:xfrm>
+          <a:prstGeom prst="rect">
+            <a:avLst/>
+          </a:prstGeom>
+        </p:spPr>
+      </p:pic>
+    </p:spTree>
+    <p:extLst>
+      <p:ext uri="{BB962C8B-B14F-4D97-AF65-F5344CB8AC3E}">
+        <p14:creationId xmlns:p14="http://schemas.microsoft.com/office/powerpoint/2010/main" val="4206796130"/>
+      </p:ext>
+    </p:extLst>
+  </p:cSld>
+  <p:clrMapOvr>
+    <a:masterClrMapping/>
+  </p:clrMapOvr>
+</p:sld>
+</file>
+
+<file path=ppt/slides/slide16.xml><?xml version="1.0" encoding="utf-8"?>
+<p:sld xmlns:a="http://schemas.openxmlformats.org/drawingml/2006/main" xmlns:r="http://schemas.openxmlformats.org/officeDocument/2006/relationships" xmlns:p="http://schemas.openxmlformats.org/presentationml/2006/main">
+  <p:cSld>
+    <p:spTree>
+      <p:nvGrpSpPr>
+        <p:cNvPr id="1" name=""/>
+        <p:cNvGrpSpPr/>
+        <p:nvPr/>
+      </p:nvGrpSpPr>
+      <p:grpSpPr>
+        <a:xfrm>
+          <a:off x="0" y="0"/>
+          <a:ext cx="0" cy="0"/>
+          <a:chOff x="0" y="0"/>
+          <a:chExt cx="0" cy="0"/>
+        </a:xfrm>
+      </p:grpSpPr>
+      <p:sp>
+        <p:nvSpPr>
+          <p:cNvPr id="2" name="Title 1">
+            <a:extLst>
+              <a:ext uri="{FF2B5EF4-FFF2-40B4-BE49-F238E27FC236}">
+                <a16:creationId xmlns:a16="http://schemas.microsoft.com/office/drawing/2014/main" id="{49704A28-90BF-43C9-AC52-AA08027A52F8}"/>
+              </a:ext>
+            </a:extLst>
+          </p:cNvPr>
+          <p:cNvSpPr>
+            <a:spLocks noGrp="1"/>
+          </p:cNvSpPr>
+          <p:nvPr>
+            <p:ph type="title"/>
+          </p:nvPr>
+        </p:nvSpPr>
+        <p:spPr/>
+        <p:txBody>
+          <a:bodyPr/>
+          <a:lstStyle/>
+          <a:p>
+            <a:pPr algn="ctr"/>
+            <a:r>
+              <a:rPr lang="en-US" dirty="0"/>
+              <a:t>Important Files/Folders</a:t>
+            </a:r>
+          </a:p>
+        </p:txBody>
+      </p:sp>
+      <p:sp>
+        <p:nvSpPr>
+          <p:cNvPr id="3" name="Content Placeholder 2">
+            <a:extLst>
+              <a:ext uri="{FF2B5EF4-FFF2-40B4-BE49-F238E27FC236}">
+                <a16:creationId xmlns:a16="http://schemas.microsoft.com/office/drawing/2014/main" id="{0BD038B8-31F1-4C67-8F64-64C1A069E3FD}"/>
+              </a:ext>
+            </a:extLst>
+          </p:cNvPr>
+          <p:cNvSpPr>
+            <a:spLocks noGrp="1"/>
+          </p:cNvSpPr>
+          <p:nvPr>
+            <p:ph idx="1"/>
+          </p:nvPr>
+        </p:nvSpPr>
+        <p:spPr/>
+        <p:txBody>
+          <a:bodyPr/>
+          <a:lstStyle/>
+          <a:p>
+            <a:r>
+              <a:rPr lang="en-US" dirty="0"/>
+              <a:t>This is how you configure the replacements:</a:t>
+            </a:r>
+          </a:p>
+          <a:p>
+            <a:endParaRPr lang="en-US" dirty="0"/>
+          </a:p>
+        </p:txBody>
+      </p:sp>
+      <p:pic>
+        <p:nvPicPr>
+          <p:cNvPr id="4" name="Picture 3">
+            <a:extLst>
+              <a:ext uri="{FF2B5EF4-FFF2-40B4-BE49-F238E27FC236}">
+                <a16:creationId xmlns:a16="http://schemas.microsoft.com/office/drawing/2014/main" id="{36C0DAAE-A388-4E8D-A4F7-330E8BA75261}"/>
+              </a:ext>
+            </a:extLst>
+          </p:cNvPr>
+          <p:cNvPicPr>
+            <a:picLocks noChangeAspect="1"/>
+          </p:cNvPicPr>
+          <p:nvPr/>
+        </p:nvPicPr>
+        <p:blipFill>
+          <a:blip r:embed="rId2"/>
+          <a:stretch>
+            <a:fillRect/>
+          </a:stretch>
+        </p:blipFill>
+        <p:spPr>
+          <a:xfrm>
+            <a:off x="1896297" y="2580149"/>
+            <a:ext cx="8399405" cy="3460345"/>
+          </a:xfrm>
+          <a:prstGeom prst="rect">
+            <a:avLst/>
+          </a:prstGeom>
+        </p:spPr>
+      </p:pic>
+    </p:spTree>
+    <p:extLst>
+      <p:ext uri="{BB962C8B-B14F-4D97-AF65-F5344CB8AC3E}">
+        <p14:creationId xmlns:p14="http://schemas.microsoft.com/office/powerpoint/2010/main" val="1375416170"/>
+      </p:ext>
+    </p:extLst>
+  </p:cSld>
+  <p:clrMapOvr>
+    <a:masterClrMapping/>
+  </p:clrMapOvr>
+</p:sld>
+</file>
+
+<file path=ppt/slides/slide17.xml><?xml version="1.0" encoding="utf-8"?>
+<p:sld xmlns:a="http://schemas.openxmlformats.org/drawingml/2006/main" xmlns:r="http://schemas.openxmlformats.org/officeDocument/2006/relationships" xmlns:p="http://schemas.openxmlformats.org/presentationml/2006/main">
+  <p:cSld>
+    <p:spTree>
+      <p:nvGrpSpPr>
+        <p:cNvPr id="1" name=""/>
+        <p:cNvGrpSpPr/>
+        <p:nvPr/>
+      </p:nvGrpSpPr>
+      <p:grpSpPr>
+        <a:xfrm>
+          <a:off x="0" y="0"/>
+          <a:ext cx="0" cy="0"/>
+          <a:chOff x="0" y="0"/>
+          <a:chExt cx="0" cy="0"/>
+        </a:xfrm>
+      </p:grpSpPr>
+      <p:sp>
+        <p:nvSpPr>
+          <p:cNvPr id="2" name="Title 1">
+            <a:extLst>
+              <a:ext uri="{FF2B5EF4-FFF2-40B4-BE49-F238E27FC236}">
+                <a16:creationId xmlns:a16="http://schemas.microsoft.com/office/drawing/2014/main" id="{3F799B44-7536-4FB8-A9E8-7BF827EC163B}"/>
+              </a:ext>
+            </a:extLst>
+          </p:cNvPr>
+          <p:cNvSpPr>
+            <a:spLocks noGrp="1"/>
+          </p:cNvSpPr>
+          <p:nvPr>
+            <p:ph type="title"/>
+          </p:nvPr>
+        </p:nvSpPr>
+        <p:spPr/>
+        <p:txBody>
+          <a:bodyPr/>
+          <a:lstStyle/>
+          <a:p>
+            <a:pPr algn="ctr"/>
+            <a:r>
+              <a:rPr lang="en-US" dirty="0"/>
+              <a:t>Important Files/Folders</a:t>
+            </a:r>
+          </a:p>
+        </p:txBody>
+      </p:sp>
+      <p:sp>
+        <p:nvSpPr>
+          <p:cNvPr id="3" name="Content Placeholder 2">
+            <a:extLst>
+              <a:ext uri="{FF2B5EF4-FFF2-40B4-BE49-F238E27FC236}">
+                <a16:creationId xmlns:a16="http://schemas.microsoft.com/office/drawing/2014/main" id="{B9D0E156-D5D8-4F34-AFD8-E718B231BEB1}"/>
+              </a:ext>
+            </a:extLst>
+          </p:cNvPr>
+          <p:cNvSpPr>
+            <a:spLocks noGrp="1"/>
+          </p:cNvSpPr>
+          <p:nvPr>
+            <p:ph idx="1"/>
+          </p:nvPr>
+        </p:nvSpPr>
+        <p:spPr/>
+        <p:txBody>
+          <a:bodyPr/>
+          <a:lstStyle/>
+          <a:p>
+            <a:r>
+              <a:rPr lang="en-US" dirty="0"/>
+              <a:t>Another replacement example:</a:t>
+            </a:r>
+          </a:p>
+          <a:p>
+            <a:endParaRPr lang="en-US" dirty="0"/>
+          </a:p>
+        </p:txBody>
+      </p:sp>
+      <p:pic>
+        <p:nvPicPr>
+          <p:cNvPr id="4" name="Picture 3">
+            <a:extLst>
+              <a:ext uri="{FF2B5EF4-FFF2-40B4-BE49-F238E27FC236}">
+                <a16:creationId xmlns:a16="http://schemas.microsoft.com/office/drawing/2014/main" id="{E3291842-DCA1-4235-9339-4B6D4ED4F73F}"/>
+              </a:ext>
+            </a:extLst>
+          </p:cNvPr>
+          <p:cNvPicPr>
+            <a:picLocks noChangeAspect="1"/>
+          </p:cNvPicPr>
+          <p:nvPr/>
+        </p:nvPicPr>
+        <p:blipFill>
+          <a:blip r:embed="rId2"/>
+          <a:stretch>
+            <a:fillRect/>
+          </a:stretch>
+        </p:blipFill>
+        <p:spPr>
+          <a:xfrm>
+            <a:off x="2492000" y="2683425"/>
+            <a:ext cx="7034386" cy="3628475"/>
+          </a:xfrm>
+          <a:prstGeom prst="rect">
+            <a:avLst/>
+          </a:prstGeom>
+        </p:spPr>
+      </p:pic>
+    </p:spTree>
+    <p:extLst>
+      <p:ext uri="{BB962C8B-B14F-4D97-AF65-F5344CB8AC3E}">
+        <p14:creationId xmlns:p14="http://schemas.microsoft.com/office/powerpoint/2010/main" val="259627135"/>
+      </p:ext>
+    </p:extLst>
+  </p:cSld>
+  <p:clrMapOvr>
+    <a:masterClrMapping/>
+  </p:clrMapOvr>
+</p:sld>
+</file>
+
+<file path=ppt/slides/slide18.xml><?xml version="1.0" encoding="utf-8"?>
+<p:sld xmlns:a="http://schemas.openxmlformats.org/drawingml/2006/main" xmlns:r="http://schemas.openxmlformats.org/officeDocument/2006/relationships" xmlns:p="http://schemas.openxmlformats.org/presentationml/2006/main">
+  <p:cSld>
+    <p:spTree>
+      <p:nvGrpSpPr>
+        <p:cNvPr id="1" name=""/>
+        <p:cNvGrpSpPr/>
+        <p:nvPr/>
+      </p:nvGrpSpPr>
+      <p:grpSpPr>
+        <a:xfrm>
+          <a:off x="0" y="0"/>
+          <a:ext cx="0" cy="0"/>
+          <a:chOff x="0" y="0"/>
+          <a:chExt cx="0" cy="0"/>
+        </a:xfrm>
+      </p:grpSpPr>
+      <p:sp>
+        <p:nvSpPr>
+          <p:cNvPr id="2" name="Title 1">
+            <a:extLst>
+              <a:ext uri="{FF2B5EF4-FFF2-40B4-BE49-F238E27FC236}">
+                <a16:creationId xmlns:a16="http://schemas.microsoft.com/office/drawing/2014/main" id="{71119983-D312-4AB8-94CE-AFF41E268FB3}"/>
+              </a:ext>
+            </a:extLst>
+          </p:cNvPr>
+          <p:cNvSpPr>
+            <a:spLocks noGrp="1"/>
+          </p:cNvSpPr>
+          <p:nvPr>
+            <p:ph type="title"/>
+          </p:nvPr>
+        </p:nvSpPr>
+        <p:spPr/>
+        <p:txBody>
+          <a:bodyPr/>
+          <a:lstStyle/>
+          <a:p>
+            <a:pPr algn="ctr"/>
+            <a:r>
+              <a:rPr lang="en-US" dirty="0"/>
+              <a:t>Important Files/Folders</a:t>
+            </a:r>
+          </a:p>
+        </p:txBody>
+      </p:sp>
+      <p:sp>
+        <p:nvSpPr>
+          <p:cNvPr id="3" name="Content Placeholder 2">
+            <a:extLst>
+              <a:ext uri="{FF2B5EF4-FFF2-40B4-BE49-F238E27FC236}">
+                <a16:creationId xmlns:a16="http://schemas.microsoft.com/office/drawing/2014/main" id="{DBEFBDDF-5DED-4EB2-8241-3ACED75F9119}"/>
+              </a:ext>
+            </a:extLst>
+          </p:cNvPr>
+          <p:cNvSpPr>
+            <a:spLocks noGrp="1"/>
+          </p:cNvSpPr>
+          <p:nvPr>
+            <p:ph idx="1"/>
+          </p:nvPr>
+        </p:nvSpPr>
+        <p:spPr/>
+        <p:txBody>
+          <a:bodyPr/>
+          <a:lstStyle/>
+          <a:p>
+            <a:r>
+              <a:rPr lang="en-US" dirty="0"/>
+              <a:t>Command to use particular environment config:</a:t>
+            </a:r>
+          </a:p>
+          <a:p>
+            <a:endParaRPr lang="en-US" dirty="0"/>
+          </a:p>
+        </p:txBody>
+      </p:sp>
+      <p:pic>
+        <p:nvPicPr>
+          <p:cNvPr id="4" name="Picture 3">
+            <a:extLst>
+              <a:ext uri="{FF2B5EF4-FFF2-40B4-BE49-F238E27FC236}">
+                <a16:creationId xmlns:a16="http://schemas.microsoft.com/office/drawing/2014/main" id="{62B79584-7D46-4E1D-A7C8-5727115D5EF5}"/>
+              </a:ext>
+            </a:extLst>
+          </p:cNvPr>
+          <p:cNvPicPr>
+            <a:picLocks noChangeAspect="1"/>
+          </p:cNvPicPr>
+          <p:nvPr/>
+        </p:nvPicPr>
+        <p:blipFill>
+          <a:blip r:embed="rId2"/>
+          <a:stretch>
+            <a:fillRect/>
+          </a:stretch>
+        </p:blipFill>
+        <p:spPr>
+          <a:xfrm>
+            <a:off x="2647950" y="3109912"/>
+            <a:ext cx="6896100" cy="638175"/>
+          </a:xfrm>
+          <a:prstGeom prst="rect">
+            <a:avLst/>
+          </a:prstGeom>
+        </p:spPr>
+      </p:pic>
+    </p:spTree>
+    <p:extLst>
+      <p:ext uri="{BB962C8B-B14F-4D97-AF65-F5344CB8AC3E}">
+        <p14:creationId xmlns:p14="http://schemas.microsoft.com/office/powerpoint/2010/main" val="1030007968"/>
+      </p:ext>
+    </p:extLst>
+  </p:cSld>
+  <p:clrMapOvr>
+    <a:masterClrMapping/>
+  </p:clrMapOvr>
+</p:sld>
+</file>
+
+<file path=ppt/slides/slide19.xml><?xml version="1.0" encoding="utf-8"?>
+<p:sld xmlns:a="http://schemas.openxmlformats.org/drawingml/2006/main" xmlns:r="http://schemas.openxmlformats.org/officeDocument/2006/relationships" xmlns:p="http://schemas.openxmlformats.org/presentationml/2006/main">
+  <p:cSld>
+    <p:spTree>
+      <p:nvGrpSpPr>
+        <p:cNvPr id="1" name=""/>
+        <p:cNvGrpSpPr/>
+        <p:nvPr/>
+      </p:nvGrpSpPr>
+      <p:grpSpPr>
+        <a:xfrm>
+          <a:off x="0" y="0"/>
+          <a:ext cx="0" cy="0"/>
+          <a:chOff x="0" y="0"/>
+          <a:chExt cx="0" cy="0"/>
+        </a:xfrm>
+      </p:grpSpPr>
+      <p:sp>
+        <p:nvSpPr>
+          <p:cNvPr id="2" name="Title 1">
+            <a:extLst>
+              <a:ext uri="{FF2B5EF4-FFF2-40B4-BE49-F238E27FC236}">
+                <a16:creationId xmlns:a16="http://schemas.microsoft.com/office/drawing/2014/main" id="{EB16D9ED-8EF1-4C47-9BBC-07FC150A1DE2}"/>
+              </a:ext>
+            </a:extLst>
+          </p:cNvPr>
+          <p:cNvSpPr>
+            <a:spLocks noGrp="1"/>
+          </p:cNvSpPr>
+          <p:nvPr>
+            <p:ph type="title"/>
+          </p:nvPr>
+        </p:nvSpPr>
+        <p:spPr/>
+        <p:txBody>
+          <a:bodyPr/>
+          <a:lstStyle/>
+          <a:p>
+            <a:pPr algn="ctr"/>
+            <a:r>
+              <a:rPr lang="en-US" dirty="0"/>
+              <a:t>Important Files/Folders</a:t>
+            </a:r>
+          </a:p>
+        </p:txBody>
+      </p:sp>
+      <p:sp>
+        <p:nvSpPr>
+          <p:cNvPr id="3" name="Content Placeholder 2">
+            <a:extLst>
+              <a:ext uri="{FF2B5EF4-FFF2-40B4-BE49-F238E27FC236}">
+                <a16:creationId xmlns:a16="http://schemas.microsoft.com/office/drawing/2014/main" id="{3C0BF703-2CC1-425A-AD76-B639F3AF8BC9}"/>
+              </a:ext>
+            </a:extLst>
+          </p:cNvPr>
+          <p:cNvSpPr>
+            <a:spLocks noGrp="1"/>
+          </p:cNvSpPr>
+          <p:nvPr>
+            <p:ph idx="1"/>
+          </p:nvPr>
+        </p:nvSpPr>
+        <p:spPr/>
+        <p:txBody>
+          <a:bodyPr/>
+          <a:lstStyle/>
+          <a:p>
+            <a:r>
+              <a:rPr lang="en-US" dirty="0"/>
+              <a:t>index.html – This is the file that is loaded in the browser first. The file has reference to root component of the application which is then processed by Angular to render the application.</a:t>
+            </a:r>
+          </a:p>
+          <a:p>
+            <a:r>
+              <a:rPr lang="en-US" dirty="0" err="1"/>
+              <a:t>main.ts</a:t>
+            </a:r>
+            <a:r>
+              <a:rPr lang="en-US" dirty="0"/>
+              <a:t> – This is the code that gets executed first. It loads the </a:t>
+            </a:r>
+            <a:r>
+              <a:rPr lang="en-US" dirty="0" err="1"/>
+              <a:t>AppModule</a:t>
+            </a:r>
+            <a:r>
+              <a:rPr lang="en-US" dirty="0"/>
+              <a:t> which in turn loads all other modules, components, providers etc. </a:t>
+            </a:r>
+          </a:p>
+          <a:p>
+            <a:r>
+              <a:rPr lang="en-US" dirty="0"/>
+              <a:t>styles.css – Global </a:t>
+            </a:r>
+            <a:r>
+              <a:rPr lang="en-US" dirty="0" err="1"/>
+              <a:t>css</a:t>
+            </a:r>
+            <a:r>
+              <a:rPr lang="en-US" dirty="0"/>
+              <a:t> style file. Styles specified here will be available across the application.</a:t>
+            </a:r>
+          </a:p>
+          <a:p>
+            <a:r>
+              <a:rPr lang="en-US" dirty="0"/>
+              <a:t>.</a:t>
+            </a:r>
+            <a:r>
+              <a:rPr lang="en-US" dirty="0" err="1"/>
+              <a:t>gitignore</a:t>
+            </a:r>
+            <a:r>
+              <a:rPr lang="en-US" dirty="0"/>
+              <a:t> – Specifies file and folders which should not be recursed </a:t>
+            </a:r>
+            <a:r>
+              <a:rPr lang="en-US"/>
+              <a:t>while pushing code to remote repo.</a:t>
+            </a:r>
+            <a:endParaRPr lang="en-US" dirty="0"/>
+          </a:p>
+        </p:txBody>
+      </p:sp>
+    </p:spTree>
+    <p:extLst>
+      <p:ext uri="{BB962C8B-B14F-4D97-AF65-F5344CB8AC3E}">
+        <p14:creationId xmlns:p14="http://schemas.microsoft.com/office/powerpoint/2010/main" val="97921162"/>
       </p:ext>
     </p:extLst>
   </p:cSld>
